--- a/3. kiosk/장표.pptx
+++ b/3. kiosk/장표.pptx
@@ -6,6 +6,8 @@
   </p:sldMasterIdLst>
   <p:sldIdLst>
     <p:sldId id="256" r:id="rId2"/>
+    <p:sldId id="257" r:id="rId3"/>
+    <p:sldId id="258" r:id="rId4"/>
   </p:sldIdLst>
   <p:sldSz cx="12192000" cy="6858000"/>
   <p:notesSz cx="6858000" cy="9144000"/>
@@ -104,6 +106,11 @@
       </a:defRPr>
     </a:lvl9pPr>
   </p:defaultTextStyle>
+  <p:extLst>
+    <p:ext uri="{EFAFB233-063F-42B5-8137-9DF3F51BA10A}">
+      <p15:sldGuideLst xmlns:p15="http://schemas.microsoft.com/office/powerpoint/2012/main"/>
+    </p:ext>
+  </p:extLst>
 </p:presentation>
 </file>
 
@@ -3124,8 +3131,8 @@
         </p:nvSpPr>
         <p:spPr>
           <a:xfrm>
-            <a:off x="658474" y="2181952"/>
-            <a:ext cx="1649072" cy="407279"/>
+            <a:off x="658474" y="2111407"/>
+            <a:ext cx="1649072" cy="532481"/>
           </a:xfrm>
           <a:prstGeom prst="roundRect">
             <a:avLst/>
@@ -3155,7 +3162,11 @@
               <a:t>‘</a:t>
             </a:r>
             <a:r>
-              <a:rPr lang="ko-KR" altLang="en-US" sz="1600" smtClean="0"/>
+              <a:rPr lang="ko-KR" altLang="en-US" sz="1600" smtClean="0">
+                <a:solidFill>
+                  <a:srgbClr val="FF0000"/>
+                </a:solidFill>
+              </a:rPr>
               <a:t>상품 인식하기</a:t>
             </a:r>
             <a:r>
@@ -3178,8 +3189,8 @@
         </p:nvSpPr>
         <p:spPr>
           <a:xfrm>
-            <a:off x="5429642" y="1252311"/>
-            <a:ext cx="1671145" cy="420936"/>
+            <a:off x="5429642" y="1176639"/>
+            <a:ext cx="1671145" cy="555594"/>
           </a:xfrm>
           <a:prstGeom prst="roundRect">
             <a:avLst/>
@@ -3220,8 +3231,8 @@
         </p:nvSpPr>
         <p:spPr>
           <a:xfrm>
-            <a:off x="2381120" y="2181952"/>
-            <a:ext cx="1649072" cy="407279"/>
+            <a:off x="2411071" y="2110481"/>
+            <a:ext cx="1649072" cy="533408"/>
           </a:xfrm>
           <a:prstGeom prst="roundRect">
             <a:avLst/>
@@ -3303,8 +3314,8 @@
         </p:nvSpPr>
         <p:spPr>
           <a:xfrm>
-            <a:off x="4133717" y="2181952"/>
-            <a:ext cx="2330144" cy="407279"/>
+            <a:off x="4140022" y="2124122"/>
+            <a:ext cx="2330144" cy="519766"/>
           </a:xfrm>
           <a:prstGeom prst="roundRect">
             <a:avLst/>
@@ -3382,8 +3393,8 @@
         </p:nvSpPr>
         <p:spPr>
           <a:xfrm>
-            <a:off x="7190125" y="1246931"/>
-            <a:ext cx="1671145" cy="420936"/>
+            <a:off x="7190125" y="1171259"/>
+            <a:ext cx="1671145" cy="555594"/>
           </a:xfrm>
           <a:prstGeom prst="roundRect">
             <a:avLst/>
@@ -3424,8 +3435,8 @@
         </p:nvSpPr>
         <p:spPr>
           <a:xfrm>
-            <a:off x="8950608" y="1246931"/>
-            <a:ext cx="2198765" cy="420936"/>
+            <a:off x="8950608" y="1171259"/>
+            <a:ext cx="2198765" cy="555594"/>
           </a:xfrm>
           <a:prstGeom prst="roundRect">
             <a:avLst/>
@@ -3737,8 +3748,8 @@
         </p:nvSpPr>
         <p:spPr>
           <a:xfrm>
-            <a:off x="2390312" y="5196179"/>
-            <a:ext cx="1181888" cy="478751"/>
+            <a:off x="2390312" y="5164526"/>
+            <a:ext cx="1181888" cy="574777"/>
           </a:xfrm>
           <a:prstGeom prst="roundRect">
             <a:avLst/>
@@ -3821,7 +3832,7 @@
         <p:spPr>
           <a:xfrm>
             <a:off x="3684917" y="5177338"/>
-            <a:ext cx="1620177" cy="510403"/>
+            <a:ext cx="1620177" cy="574776"/>
           </a:xfrm>
           <a:prstGeom prst="roundRect">
             <a:avLst/>
@@ -3851,7 +3862,11 @@
               <a:t>‘</a:t>
             </a:r>
             <a:r>
-              <a:rPr lang="ko-KR" altLang="en-US" sz="1600" smtClean="0"/>
+              <a:rPr lang="ko-KR" altLang="en-US" sz="1600" smtClean="0">
+                <a:solidFill>
+                  <a:srgbClr val="FF0000"/>
+                </a:solidFill>
+              </a:rPr>
               <a:t>결제하기</a:t>
             </a:r>
             <a:r>
@@ -3927,7 +3942,7 @@
         <p:spPr>
           <a:xfrm>
             <a:off x="5417811" y="5164527"/>
-            <a:ext cx="1620177" cy="510403"/>
+            <a:ext cx="1620177" cy="574776"/>
           </a:xfrm>
           <a:prstGeom prst="roundRect">
             <a:avLst/>
@@ -4190,7 +4205,11 @@
               <a:t>‘</a:t>
             </a:r>
             <a:r>
-              <a:rPr lang="ko-KR" altLang="en-US" sz="1600" smtClean="0"/>
+              <a:rPr lang="ko-KR" altLang="en-US" sz="1600" smtClean="0">
+                <a:solidFill>
+                  <a:srgbClr val="FF0000"/>
+                </a:solidFill>
+              </a:rPr>
               <a:t>비상출입버튼</a:t>
             </a:r>
             <a:r>
@@ -4209,6 +4228,1621 @@
     <p:extLst>
       <p:ext uri="{BB962C8B-B14F-4D97-AF65-F5344CB8AC3E}">
         <p14:creationId xmlns:p14="http://schemas.microsoft.com/office/powerpoint/2010/main" val="776641883"/>
+      </p:ext>
+    </p:extLst>
+  </p:cSld>
+  <p:clrMapOvr>
+    <a:masterClrMapping/>
+  </p:clrMapOvr>
+</p:sld>
+</file>
+
+<file path=ppt/slides/slide2.xml><?xml version="1.0" encoding="utf-8"?>
+<p:sld xmlns:a="http://schemas.openxmlformats.org/drawingml/2006/main" xmlns:r="http://schemas.openxmlformats.org/officeDocument/2006/relationships" xmlns:p="http://schemas.openxmlformats.org/presentationml/2006/main">
+  <p:cSld>
+    <p:spTree>
+      <p:nvGrpSpPr>
+        <p:cNvPr id="1" name=""/>
+        <p:cNvGrpSpPr/>
+        <p:nvPr/>
+      </p:nvGrpSpPr>
+      <p:grpSpPr>
+        <a:xfrm>
+          <a:off x="0" y="0"/>
+          <a:ext cx="0" cy="0"/>
+          <a:chOff x="0" y="0"/>
+          <a:chExt cx="0" cy="0"/>
+        </a:xfrm>
+      </p:grpSpPr>
+      <p:pic>
+        <p:nvPicPr>
+          <p:cNvPr id="5" name="그림 4"/>
+          <p:cNvPicPr>
+            <a:picLocks noChangeAspect="1"/>
+          </p:cNvPicPr>
+          <p:nvPr/>
+        </p:nvPicPr>
+        <p:blipFill>
+          <a:blip r:embed="rId2"/>
+          <a:stretch>
+            <a:fillRect/>
+          </a:stretch>
+        </p:blipFill>
+        <p:spPr>
+          <a:xfrm>
+            <a:off x="960305" y="1077063"/>
+            <a:ext cx="7325747" cy="2610214"/>
+          </a:xfrm>
+          <a:prstGeom prst="rect">
+            <a:avLst/>
+          </a:prstGeom>
+        </p:spPr>
+      </p:pic>
+      <p:pic>
+        <p:nvPicPr>
+          <p:cNvPr id="6" name="그림 5"/>
+          <p:cNvPicPr>
+            <a:picLocks noChangeAspect="1"/>
+          </p:cNvPicPr>
+          <p:nvPr/>
+        </p:nvPicPr>
+        <p:blipFill>
+          <a:blip r:embed="rId3"/>
+          <a:stretch>
+            <a:fillRect/>
+          </a:stretch>
+        </p:blipFill>
+        <p:spPr>
+          <a:xfrm>
+            <a:off x="1510132" y="3938131"/>
+            <a:ext cx="1609950" cy="1819529"/>
+          </a:xfrm>
+          <a:prstGeom prst="rect">
+            <a:avLst/>
+          </a:prstGeom>
+        </p:spPr>
+      </p:pic>
+      <p:sp>
+        <p:nvSpPr>
+          <p:cNvPr id="8" name="모서리가 둥근 사각형 설명선 7"/>
+          <p:cNvSpPr/>
+          <p:nvPr/>
+        </p:nvSpPr>
+        <p:spPr>
+          <a:xfrm>
+            <a:off x="3213664" y="952237"/>
+            <a:ext cx="1590779" cy="741285"/>
+          </a:xfrm>
+          <a:prstGeom prst="wedgeRoundRectCallout">
+            <a:avLst/>
+          </a:prstGeom>
+          <a:noFill/>
+          <a:ln w="38100"/>
+        </p:spPr>
+        <p:style>
+          <a:lnRef idx="2">
+            <a:schemeClr val="accent1"/>
+          </a:lnRef>
+          <a:fillRef idx="1">
+            <a:schemeClr val="lt1"/>
+          </a:fillRef>
+          <a:effectRef idx="0">
+            <a:schemeClr val="accent1"/>
+          </a:effectRef>
+          <a:fontRef idx="minor">
+            <a:schemeClr val="dk1"/>
+          </a:fontRef>
+        </p:style>
+        <p:txBody>
+          <a:bodyPr rtlCol="0" anchor="ctr"/>
+          <a:lstStyle/>
+          <a:p>
+            <a:pPr algn="ctr"/>
+            <a:r>
+              <a:rPr lang="ko-KR" altLang="en-US" sz="1400" smtClean="0"/>
+              <a:t>인공지능 학습용 데이터셋 폴더</a:t>
+            </a:r>
+            <a:endParaRPr lang="ko-KR" altLang="en-US" sz="1400"/>
+          </a:p>
+        </p:txBody>
+      </p:sp>
+      <p:sp>
+        <p:nvSpPr>
+          <p:cNvPr id="9" name="모서리가 둥근 사각형 설명선 8"/>
+          <p:cNvSpPr/>
+          <p:nvPr/>
+        </p:nvSpPr>
+        <p:spPr>
+          <a:xfrm>
+            <a:off x="5080593" y="952237"/>
+            <a:ext cx="1373488" cy="741285"/>
+          </a:xfrm>
+          <a:prstGeom prst="wedgeRoundRectCallout">
+            <a:avLst/>
+          </a:prstGeom>
+          <a:noFill/>
+          <a:ln w="38100"/>
+        </p:spPr>
+        <p:style>
+          <a:lnRef idx="2">
+            <a:schemeClr val="accent1"/>
+          </a:lnRef>
+          <a:fillRef idx="1">
+            <a:schemeClr val="lt1"/>
+          </a:fillRef>
+          <a:effectRef idx="0">
+            <a:schemeClr val="accent1"/>
+          </a:effectRef>
+          <a:fontRef idx="minor">
+            <a:schemeClr val="dk1"/>
+          </a:fontRef>
+        </p:style>
+        <p:txBody>
+          <a:bodyPr rtlCol="0" anchor="ctr"/>
+          <a:lstStyle/>
+          <a:p>
+            <a:pPr algn="ctr"/>
+            <a:r>
+              <a:rPr lang="ko-KR" altLang="en-US" sz="1400" smtClean="0"/>
+              <a:t>출입문 제어 코드 폴더</a:t>
+            </a:r>
+            <a:endParaRPr lang="ko-KR" altLang="en-US" sz="1400"/>
+          </a:p>
+        </p:txBody>
+      </p:sp>
+      <p:sp>
+        <p:nvSpPr>
+          <p:cNvPr id="10" name="모서리가 둥근 사각형 설명선 9"/>
+          <p:cNvSpPr/>
+          <p:nvPr/>
+        </p:nvSpPr>
+        <p:spPr>
+          <a:xfrm>
+            <a:off x="6645944" y="952236"/>
+            <a:ext cx="1804803" cy="741285"/>
+          </a:xfrm>
+          <a:prstGeom prst="wedgeRoundRectCallout">
+            <a:avLst/>
+          </a:prstGeom>
+          <a:noFill/>
+          <a:ln w="38100"/>
+        </p:spPr>
+        <p:style>
+          <a:lnRef idx="2">
+            <a:schemeClr val="accent1"/>
+          </a:lnRef>
+          <a:fillRef idx="1">
+            <a:schemeClr val="lt1"/>
+          </a:fillRef>
+          <a:effectRef idx="0">
+            <a:schemeClr val="accent1"/>
+          </a:effectRef>
+          <a:fontRef idx="minor">
+            <a:schemeClr val="dk1"/>
+          </a:fontRef>
+        </p:style>
+        <p:txBody>
+          <a:bodyPr rtlCol="0" anchor="ctr"/>
+          <a:lstStyle/>
+          <a:p>
+            <a:pPr algn="ctr"/>
+            <a:r>
+              <a:rPr lang="ko-KR" altLang="en-US" sz="1400" smtClean="0"/>
+              <a:t>상품 인식용 </a:t>
+            </a:r>
+            <a:endParaRPr lang="en-US" altLang="ko-KR" sz="1400" smtClean="0"/>
+          </a:p>
+          <a:p>
+            <a:pPr algn="ctr"/>
+            <a:r>
+              <a:rPr lang="ko-KR" altLang="en-US" sz="1400" smtClean="0"/>
+              <a:t>인공지능 서버 실행파일 포함 폴더</a:t>
+            </a:r>
+            <a:endParaRPr lang="ko-KR" altLang="en-US" sz="1400"/>
+          </a:p>
+        </p:txBody>
+      </p:sp>
+      <p:sp>
+        <p:nvSpPr>
+          <p:cNvPr id="11" name="모서리가 둥근 사각형 설명선 10"/>
+          <p:cNvSpPr/>
+          <p:nvPr/>
+        </p:nvSpPr>
+        <p:spPr>
+          <a:xfrm>
+            <a:off x="1771703" y="5821677"/>
+            <a:ext cx="1441961" cy="741285"/>
+          </a:xfrm>
+          <a:prstGeom prst="wedgeRoundRectCallout">
+            <a:avLst>
+              <a:gd name="adj1" fmla="val -20398"/>
+              <a:gd name="adj2" fmla="val -65958"/>
+              <a:gd name="adj3" fmla="val 16667"/>
+            </a:avLst>
+          </a:prstGeom>
+          <a:ln w="28575"/>
+        </p:spPr>
+        <p:style>
+          <a:lnRef idx="2">
+            <a:schemeClr val="accent2"/>
+          </a:lnRef>
+          <a:fillRef idx="1">
+            <a:schemeClr val="lt1"/>
+          </a:fillRef>
+          <a:effectRef idx="0">
+            <a:schemeClr val="accent2"/>
+          </a:effectRef>
+          <a:fontRef idx="minor">
+            <a:schemeClr val="dk1"/>
+          </a:fontRef>
+        </p:style>
+        <p:txBody>
+          <a:bodyPr rtlCol="0" anchor="ctr"/>
+          <a:lstStyle/>
+          <a:p>
+            <a:pPr algn="ctr"/>
+            <a:r>
+              <a:rPr lang="ko-KR" altLang="en-US" sz="1400" smtClean="0">
+                <a:solidFill>
+                  <a:srgbClr val="FF0000"/>
+                </a:solidFill>
+              </a:rPr>
+              <a:t>키오스크 실행파일</a:t>
+            </a:r>
+            <a:r>
+              <a:rPr lang="en-US" altLang="ko-KR" sz="1400" smtClean="0"/>
+              <a:t>_</a:t>
+            </a:r>
+            <a:r>
+              <a:rPr lang="ko-KR" altLang="en-US" sz="1400" smtClean="0"/>
+              <a:t>출입제어 포함</a:t>
+            </a:r>
+            <a:endParaRPr lang="en-US" altLang="ko-KR" sz="1400" smtClean="0"/>
+          </a:p>
+        </p:txBody>
+      </p:sp>
+      <p:pic>
+        <p:nvPicPr>
+          <p:cNvPr id="13" name="그림 12"/>
+          <p:cNvPicPr>
+            <a:picLocks noChangeAspect="1"/>
+          </p:cNvPicPr>
+          <p:nvPr/>
+        </p:nvPicPr>
+        <p:blipFill>
+          <a:blip r:embed="rId4"/>
+          <a:stretch>
+            <a:fillRect/>
+          </a:stretch>
+        </p:blipFill>
+        <p:spPr>
+          <a:xfrm>
+            <a:off x="3266949" y="3971472"/>
+            <a:ext cx="1619476" cy="1752845"/>
+          </a:xfrm>
+          <a:prstGeom prst="rect">
+            <a:avLst/>
+          </a:prstGeom>
+        </p:spPr>
+      </p:pic>
+      <p:sp>
+        <p:nvSpPr>
+          <p:cNvPr id="14" name="모서리가 둥근 사각형 설명선 13"/>
+          <p:cNvSpPr/>
+          <p:nvPr/>
+        </p:nvSpPr>
+        <p:spPr>
+          <a:xfrm>
+            <a:off x="3471674" y="5821677"/>
+            <a:ext cx="1441961" cy="741285"/>
+          </a:xfrm>
+          <a:prstGeom prst="wedgeRoundRectCallout">
+            <a:avLst>
+              <a:gd name="adj1" fmla="val -20398"/>
+              <a:gd name="adj2" fmla="val -65958"/>
+              <a:gd name="adj3" fmla="val 16667"/>
+            </a:avLst>
+          </a:prstGeom>
+          <a:ln w="28575"/>
+        </p:spPr>
+        <p:style>
+          <a:lnRef idx="2">
+            <a:schemeClr val="accent2"/>
+          </a:lnRef>
+          <a:fillRef idx="1">
+            <a:schemeClr val="lt1"/>
+          </a:fillRef>
+          <a:effectRef idx="0">
+            <a:schemeClr val="accent2"/>
+          </a:effectRef>
+          <a:fontRef idx="minor">
+            <a:schemeClr val="dk1"/>
+          </a:fontRef>
+        </p:style>
+        <p:txBody>
+          <a:bodyPr rtlCol="0" anchor="ctr"/>
+          <a:lstStyle/>
+          <a:p>
+            <a:pPr algn="ctr"/>
+            <a:r>
+              <a:rPr lang="ko-KR" altLang="en-US" sz="1400" smtClean="0">
+                <a:solidFill>
+                  <a:srgbClr val="FF0000"/>
+                </a:solidFill>
+              </a:rPr>
+              <a:t>키오스크 실행파일</a:t>
+            </a:r>
+            <a:r>
+              <a:rPr lang="en-US" altLang="ko-KR" sz="1400" smtClean="0"/>
+              <a:t>_</a:t>
+            </a:r>
+            <a:r>
+              <a:rPr lang="ko-KR" altLang="en-US" sz="1400" smtClean="0"/>
+              <a:t>출입제어 미포함</a:t>
+            </a:r>
+            <a:endParaRPr lang="en-US" altLang="ko-KR" sz="1400" smtClean="0"/>
+          </a:p>
+        </p:txBody>
+      </p:sp>
+      <p:sp>
+        <p:nvSpPr>
+          <p:cNvPr id="15" name="직사각형 14"/>
+          <p:cNvSpPr/>
+          <p:nvPr/>
+        </p:nvSpPr>
+        <p:spPr>
+          <a:xfrm>
+            <a:off x="485578" y="126124"/>
+            <a:ext cx="3392739" cy="611702"/>
+          </a:xfrm>
+          <a:prstGeom prst="rect">
+            <a:avLst/>
+          </a:prstGeom>
+        </p:spPr>
+        <p:style>
+          <a:lnRef idx="2">
+            <a:schemeClr val="accent1">
+              <a:shade val="50000"/>
+            </a:schemeClr>
+          </a:lnRef>
+          <a:fillRef idx="1">
+            <a:schemeClr val="accent1"/>
+          </a:fillRef>
+          <a:effectRef idx="0">
+            <a:schemeClr val="accent1"/>
+          </a:effectRef>
+          <a:fontRef idx="minor">
+            <a:schemeClr val="lt1"/>
+          </a:fontRef>
+        </p:style>
+        <p:txBody>
+          <a:bodyPr rtlCol="0" anchor="ctr"/>
+          <a:lstStyle/>
+          <a:p>
+            <a:pPr algn="ctr"/>
+            <a:r>
+              <a:rPr lang="en-US" altLang="ko-KR" smtClean="0"/>
+              <a:t>AI_seyong-main&gt;3. kiosk </a:t>
+            </a:r>
+            <a:r>
+              <a:rPr lang="ko-KR" altLang="en-US" smtClean="0"/>
+              <a:t>폴더</a:t>
+            </a:r>
+            <a:endParaRPr lang="ko-KR" altLang="en-US"/>
+          </a:p>
+        </p:txBody>
+      </p:sp>
+      <p:pic>
+        <p:nvPicPr>
+          <p:cNvPr id="16" name="그림 15"/>
+          <p:cNvPicPr>
+            <a:picLocks noChangeAspect="1"/>
+          </p:cNvPicPr>
+          <p:nvPr/>
+        </p:nvPicPr>
+        <p:blipFill>
+          <a:blip r:embed="rId5"/>
+          <a:stretch>
+            <a:fillRect/>
+          </a:stretch>
+        </p:blipFill>
+        <p:spPr>
+          <a:xfrm>
+            <a:off x="8781412" y="1812041"/>
+            <a:ext cx="2316803" cy="3358301"/>
+          </a:xfrm>
+          <a:prstGeom prst="rect">
+            <a:avLst/>
+          </a:prstGeom>
+        </p:spPr>
+      </p:pic>
+      <p:sp>
+        <p:nvSpPr>
+          <p:cNvPr id="18" name="모서리가 둥근 직사각형 17"/>
+          <p:cNvSpPr/>
+          <p:nvPr/>
+        </p:nvSpPr>
+        <p:spPr>
+          <a:xfrm>
+            <a:off x="9105558" y="4124258"/>
+            <a:ext cx="1273854" cy="203652"/>
+          </a:xfrm>
+          <a:prstGeom prst="roundRect">
+            <a:avLst/>
+          </a:prstGeom>
+          <a:noFill/>
+          <a:ln w="28575"/>
+        </p:spPr>
+        <p:style>
+          <a:lnRef idx="2">
+            <a:schemeClr val="accent4"/>
+          </a:lnRef>
+          <a:fillRef idx="1">
+            <a:schemeClr val="lt1"/>
+          </a:fillRef>
+          <a:effectRef idx="0">
+            <a:schemeClr val="accent4"/>
+          </a:effectRef>
+          <a:fontRef idx="minor">
+            <a:schemeClr val="dk1"/>
+          </a:fontRef>
+        </p:style>
+        <p:txBody>
+          <a:bodyPr rtlCol="0" anchor="ctr"/>
+          <a:lstStyle/>
+          <a:p>
+            <a:pPr algn="ctr"/>
+            <a:endParaRPr lang="ko-KR" altLang="en-US"/>
+          </a:p>
+        </p:txBody>
+      </p:sp>
+      <p:sp>
+        <p:nvSpPr>
+          <p:cNvPr id="19" name="모서리가 둥근 사각형 설명선 18"/>
+          <p:cNvSpPr/>
+          <p:nvPr/>
+        </p:nvSpPr>
+        <p:spPr>
+          <a:xfrm>
+            <a:off x="10483678" y="4015443"/>
+            <a:ext cx="1402788" cy="719338"/>
+          </a:xfrm>
+          <a:prstGeom prst="wedgeRoundRectCallout">
+            <a:avLst>
+              <a:gd name="adj1" fmla="val -55161"/>
+              <a:gd name="adj2" fmla="val -20870"/>
+              <a:gd name="adj3" fmla="val 16667"/>
+            </a:avLst>
+          </a:prstGeom>
+          <a:noFill/>
+          <a:ln w="38100"/>
+        </p:spPr>
+        <p:style>
+          <a:lnRef idx="2">
+            <a:schemeClr val="accent1"/>
+          </a:lnRef>
+          <a:fillRef idx="1">
+            <a:schemeClr val="lt1"/>
+          </a:fillRef>
+          <a:effectRef idx="0">
+            <a:schemeClr val="accent1"/>
+          </a:effectRef>
+          <a:fontRef idx="minor">
+            <a:schemeClr val="dk1"/>
+          </a:fontRef>
+        </p:style>
+        <p:txBody>
+          <a:bodyPr rtlCol="0" anchor="ctr"/>
+          <a:lstStyle/>
+          <a:p>
+            <a:pPr algn="ctr"/>
+            <a:r>
+              <a:rPr lang="ko-KR" altLang="en-US" sz="1400" smtClean="0">
+                <a:solidFill>
+                  <a:srgbClr val="FF0000"/>
+                </a:solidFill>
+              </a:rPr>
+              <a:t>상품 인식용 </a:t>
+            </a:r>
+            <a:endParaRPr lang="en-US" altLang="ko-KR" sz="1400" smtClean="0">
+              <a:solidFill>
+                <a:srgbClr val="FF0000"/>
+              </a:solidFill>
+            </a:endParaRPr>
+          </a:p>
+          <a:p>
+            <a:pPr algn="ctr"/>
+            <a:r>
+              <a:rPr lang="ko-KR" altLang="en-US" sz="1400" smtClean="0">
+                <a:solidFill>
+                  <a:srgbClr val="FF0000"/>
+                </a:solidFill>
+              </a:rPr>
+              <a:t>인공지능 서버 실행파일</a:t>
+            </a:r>
+            <a:endParaRPr lang="ko-KR" altLang="en-US" sz="1400">
+              <a:solidFill>
+                <a:srgbClr val="FF0000"/>
+              </a:solidFill>
+            </a:endParaRPr>
+          </a:p>
+        </p:txBody>
+      </p:sp>
+      <p:sp>
+        <p:nvSpPr>
+          <p:cNvPr id="20" name="오른쪽 화살표 19"/>
+          <p:cNvSpPr/>
+          <p:nvPr/>
+        </p:nvSpPr>
+        <p:spPr>
+          <a:xfrm>
+            <a:off x="7946553" y="2549463"/>
+            <a:ext cx="1008388" cy="326167"/>
+          </a:xfrm>
+          <a:prstGeom prst="rightArrow">
+            <a:avLst/>
+          </a:prstGeom>
+        </p:spPr>
+        <p:style>
+          <a:lnRef idx="2">
+            <a:schemeClr val="accent1">
+              <a:shade val="50000"/>
+            </a:schemeClr>
+          </a:lnRef>
+          <a:fillRef idx="1">
+            <a:schemeClr val="accent1"/>
+          </a:fillRef>
+          <a:effectRef idx="0">
+            <a:schemeClr val="accent1"/>
+          </a:effectRef>
+          <a:fontRef idx="minor">
+            <a:schemeClr val="lt1"/>
+          </a:fontRef>
+        </p:style>
+        <p:txBody>
+          <a:bodyPr rtlCol="0" anchor="ctr"/>
+          <a:lstStyle/>
+          <a:p>
+            <a:pPr algn="ctr"/>
+            <a:endParaRPr lang="ko-KR" altLang="en-US"/>
+          </a:p>
+        </p:txBody>
+      </p:sp>
+    </p:spTree>
+    <p:extLst>
+      <p:ext uri="{BB962C8B-B14F-4D97-AF65-F5344CB8AC3E}">
+        <p14:creationId xmlns:p14="http://schemas.microsoft.com/office/powerpoint/2010/main" val="2410537865"/>
+      </p:ext>
+    </p:extLst>
+  </p:cSld>
+  <p:clrMapOvr>
+    <a:masterClrMapping/>
+  </p:clrMapOvr>
+</p:sld>
+</file>
+
+<file path=ppt/slides/slide3.xml><?xml version="1.0" encoding="utf-8"?>
+<p:sld xmlns:a="http://schemas.openxmlformats.org/drawingml/2006/main" xmlns:r="http://schemas.openxmlformats.org/officeDocument/2006/relationships" xmlns:p="http://schemas.openxmlformats.org/presentationml/2006/main">
+  <p:cSld>
+    <p:spTree>
+      <p:nvGrpSpPr>
+        <p:cNvPr id="1" name=""/>
+        <p:cNvGrpSpPr/>
+        <p:nvPr/>
+      </p:nvGrpSpPr>
+      <p:grpSpPr>
+        <a:xfrm>
+          <a:off x="0" y="0"/>
+          <a:ext cx="0" cy="0"/>
+          <a:chOff x="0" y="0"/>
+          <a:chExt cx="0" cy="0"/>
+        </a:xfrm>
+      </p:grpSpPr>
+      <p:sp>
+        <p:nvSpPr>
+          <p:cNvPr id="4" name="모서리가 둥근 직사각형 3"/>
+          <p:cNvSpPr/>
+          <p:nvPr/>
+        </p:nvSpPr>
+        <p:spPr>
+          <a:xfrm>
+            <a:off x="479269" y="157653"/>
+            <a:ext cx="1204487" cy="378372"/>
+          </a:xfrm>
+          <a:prstGeom prst="roundRect">
+            <a:avLst/>
+          </a:prstGeom>
+        </p:spPr>
+        <p:style>
+          <a:lnRef idx="2">
+            <a:schemeClr val="accent1">
+              <a:shade val="50000"/>
+            </a:schemeClr>
+          </a:lnRef>
+          <a:fillRef idx="1">
+            <a:schemeClr val="accent1"/>
+          </a:fillRef>
+          <a:effectRef idx="0">
+            <a:schemeClr val="accent1"/>
+          </a:effectRef>
+          <a:fontRef idx="minor">
+            <a:schemeClr val="lt1"/>
+          </a:fontRef>
+        </p:style>
+        <p:txBody>
+          <a:bodyPr rtlCol="0" anchor="ctr"/>
+          <a:lstStyle/>
+          <a:p>
+            <a:pPr algn="ctr"/>
+            <a:r>
+              <a:rPr lang="ko-KR" altLang="en-US" smtClean="0"/>
+              <a:t>서버</a:t>
+            </a:r>
+            <a:endParaRPr lang="ko-KR" altLang="en-US"/>
+          </a:p>
+        </p:txBody>
+      </p:sp>
+      <p:sp>
+        <p:nvSpPr>
+          <p:cNvPr id="5" name="모서리가 둥근 직사각형 4"/>
+          <p:cNvSpPr/>
+          <p:nvPr/>
+        </p:nvSpPr>
+        <p:spPr>
+          <a:xfrm>
+            <a:off x="4401729" y="157653"/>
+            <a:ext cx="1204489" cy="378372"/>
+          </a:xfrm>
+          <a:prstGeom prst="roundRect">
+            <a:avLst/>
+          </a:prstGeom>
+        </p:spPr>
+        <p:style>
+          <a:lnRef idx="2">
+            <a:schemeClr val="accent2">
+              <a:shade val="50000"/>
+            </a:schemeClr>
+          </a:lnRef>
+          <a:fillRef idx="1">
+            <a:schemeClr val="accent2"/>
+          </a:fillRef>
+          <a:effectRef idx="0">
+            <a:schemeClr val="accent2"/>
+          </a:effectRef>
+          <a:fontRef idx="minor">
+            <a:schemeClr val="lt1"/>
+          </a:fontRef>
+        </p:style>
+        <p:txBody>
+          <a:bodyPr rtlCol="0" anchor="ctr"/>
+          <a:lstStyle/>
+          <a:p>
+            <a:pPr algn="ctr"/>
+            <a:r>
+              <a:rPr lang="ko-KR" altLang="en-US" smtClean="0"/>
+              <a:t>키오스크</a:t>
+            </a:r>
+            <a:endParaRPr lang="ko-KR" altLang="en-US"/>
+          </a:p>
+        </p:txBody>
+      </p:sp>
+      <p:sp>
+        <p:nvSpPr>
+          <p:cNvPr id="6" name="모서리가 둥근 직사각형 5"/>
+          <p:cNvSpPr/>
+          <p:nvPr/>
+        </p:nvSpPr>
+        <p:spPr>
+          <a:xfrm>
+            <a:off x="851337" y="592783"/>
+            <a:ext cx="2453115" cy="1053136"/>
+          </a:xfrm>
+          <a:prstGeom prst="roundRect">
+            <a:avLst/>
+          </a:prstGeom>
+        </p:spPr>
+        <p:style>
+          <a:lnRef idx="2">
+            <a:schemeClr val="accent2"/>
+          </a:lnRef>
+          <a:fillRef idx="1">
+            <a:schemeClr val="lt1"/>
+          </a:fillRef>
+          <a:effectRef idx="0">
+            <a:schemeClr val="accent2"/>
+          </a:effectRef>
+          <a:fontRef idx="minor">
+            <a:schemeClr val="dk1"/>
+          </a:fontRef>
+        </p:style>
+        <p:txBody>
+          <a:bodyPr rtlCol="0" anchor="ctr"/>
+          <a:lstStyle/>
+          <a:p>
+            <a:pPr algn="ctr"/>
+            <a:r>
+              <a:rPr lang="en-US" altLang="ko-KR" smtClean="0"/>
+              <a:t>Torch</a:t>
+            </a:r>
+            <a:r>
+              <a:rPr lang="ko-KR" altLang="en-US"/>
+              <a:t> </a:t>
+            </a:r>
+            <a:r>
+              <a:rPr lang="ko-KR" altLang="en-US" smtClean="0"/>
+              <a:t>신경망 모델을 사용한 컴퓨터 비전 인식 서버 </a:t>
+            </a:r>
+            <a:endParaRPr lang="ko-KR" altLang="en-US"/>
+          </a:p>
+        </p:txBody>
+      </p:sp>
+      <p:sp>
+        <p:nvSpPr>
+          <p:cNvPr id="7" name="모서리가 둥근 직사각형 6"/>
+          <p:cNvSpPr/>
+          <p:nvPr/>
+        </p:nvSpPr>
+        <p:spPr>
+          <a:xfrm>
+            <a:off x="4793768" y="592783"/>
+            <a:ext cx="6760254" cy="1053136"/>
+          </a:xfrm>
+          <a:prstGeom prst="roundRect">
+            <a:avLst/>
+          </a:prstGeom>
+        </p:spPr>
+        <p:style>
+          <a:lnRef idx="2">
+            <a:schemeClr val="accent2"/>
+          </a:lnRef>
+          <a:fillRef idx="1">
+            <a:schemeClr val="lt1"/>
+          </a:fillRef>
+          <a:effectRef idx="0">
+            <a:schemeClr val="accent2"/>
+          </a:effectRef>
+          <a:fontRef idx="minor">
+            <a:schemeClr val="dk1"/>
+          </a:fontRef>
+        </p:style>
+        <p:txBody>
+          <a:bodyPr rtlCol="0" anchor="ctr"/>
+          <a:lstStyle/>
+          <a:p>
+            <a:pPr algn="ctr"/>
+            <a:r>
+              <a:rPr lang="en-US" altLang="ko-KR" smtClean="0"/>
+              <a:t>Python</a:t>
+            </a:r>
+            <a:r>
+              <a:rPr lang="ko-KR" altLang="en-US" smtClean="0"/>
+              <a:t>의 비전</a:t>
+            </a:r>
+            <a:r>
+              <a:rPr lang="en-US" altLang="ko-KR" smtClean="0"/>
+              <a:t>, </a:t>
+            </a:r>
+            <a:r>
+              <a:rPr lang="ko-KR" altLang="en-US" smtClean="0"/>
+              <a:t>이미지 처리</a:t>
+            </a:r>
+            <a:r>
+              <a:rPr lang="en-US" altLang="ko-KR" smtClean="0"/>
+              <a:t>,</a:t>
+            </a:r>
+            <a:r>
+              <a:rPr lang="ko-KR" altLang="en-US" smtClean="0"/>
+              <a:t> </a:t>
+            </a:r>
+            <a:r>
+              <a:rPr lang="en-US" altLang="ko-KR" smtClean="0"/>
+              <a:t>GUI </a:t>
+            </a:r>
+            <a:r>
+              <a:rPr lang="ko-KR" altLang="en-US" smtClean="0"/>
+              <a:t>모듈</a:t>
+            </a:r>
+            <a:r>
+              <a:rPr lang="en-US" altLang="ko-KR" smtClean="0"/>
+              <a:t>, </a:t>
+            </a:r>
+            <a:r>
+              <a:rPr lang="ko-KR" altLang="en-US" smtClean="0"/>
+              <a:t>시리얼 통신 등을 </a:t>
+            </a:r>
+            <a:endParaRPr lang="en-US" altLang="ko-KR" smtClean="0"/>
+          </a:p>
+          <a:p>
+            <a:pPr algn="ctr"/>
+            <a:r>
+              <a:rPr lang="ko-KR" altLang="en-US" smtClean="0"/>
+              <a:t>사용해 구성한 키오스크</a:t>
+            </a:r>
+            <a:endParaRPr lang="ko-KR" altLang="en-US"/>
+          </a:p>
+        </p:txBody>
+      </p:sp>
+      <p:sp>
+        <p:nvSpPr>
+          <p:cNvPr id="8" name="모서리가 둥근 직사각형 7"/>
+          <p:cNvSpPr/>
+          <p:nvPr/>
+        </p:nvSpPr>
+        <p:spPr>
+          <a:xfrm>
+            <a:off x="851337" y="1784658"/>
+            <a:ext cx="2453115" cy="971154"/>
+          </a:xfrm>
+          <a:prstGeom prst="roundRect">
+            <a:avLst/>
+          </a:prstGeom>
+        </p:spPr>
+        <p:style>
+          <a:lnRef idx="2">
+            <a:schemeClr val="accent2"/>
+          </a:lnRef>
+          <a:fillRef idx="1">
+            <a:schemeClr val="lt1"/>
+          </a:fillRef>
+          <a:effectRef idx="0">
+            <a:schemeClr val="accent2"/>
+          </a:effectRef>
+          <a:fontRef idx="minor">
+            <a:schemeClr val="dk1"/>
+          </a:fontRef>
+        </p:style>
+        <p:txBody>
+          <a:bodyPr rtlCol="0" anchor="ctr"/>
+          <a:lstStyle/>
+          <a:p>
+            <a:pPr algn="ctr"/>
+            <a:r>
+              <a:rPr lang="ko-KR" altLang="en-US" smtClean="0"/>
+              <a:t>키오스크가 위아래로 붙여서 보내온 두 장의 사진을 분석</a:t>
+            </a:r>
+            <a:endParaRPr lang="ko-KR" altLang="en-US"/>
+          </a:p>
+        </p:txBody>
+      </p:sp>
+      <p:sp>
+        <p:nvSpPr>
+          <p:cNvPr id="9" name="모서리가 둥근 직사각형 8"/>
+          <p:cNvSpPr/>
+          <p:nvPr/>
+        </p:nvSpPr>
+        <p:spPr>
+          <a:xfrm>
+            <a:off x="851336" y="3430579"/>
+            <a:ext cx="2453115" cy="1229708"/>
+          </a:xfrm>
+          <a:prstGeom prst="roundRect">
+            <a:avLst/>
+          </a:prstGeom>
+        </p:spPr>
+        <p:style>
+          <a:lnRef idx="2">
+            <a:schemeClr val="accent2"/>
+          </a:lnRef>
+          <a:fillRef idx="1">
+            <a:schemeClr val="lt1"/>
+          </a:fillRef>
+          <a:effectRef idx="0">
+            <a:schemeClr val="accent2"/>
+          </a:effectRef>
+          <a:fontRef idx="minor">
+            <a:schemeClr val="dk1"/>
+          </a:fontRef>
+        </p:style>
+        <p:txBody>
+          <a:bodyPr rtlCol="0" anchor="ctr"/>
+          <a:lstStyle/>
+          <a:p>
+            <a:pPr algn="ctr"/>
+            <a:r>
+              <a:rPr lang="ko-KR" altLang="en-US" smtClean="0"/>
+              <a:t>위아래 사진의 같은 위치에 같은 상품이 있을 때만 참 값을 키오스크로 반환 </a:t>
+            </a:r>
+            <a:endParaRPr lang="ko-KR" altLang="en-US"/>
+          </a:p>
+        </p:txBody>
+      </p:sp>
+      <p:sp>
+        <p:nvSpPr>
+          <p:cNvPr id="10" name="모서리가 둥근 직사각형 9"/>
+          <p:cNvSpPr/>
+          <p:nvPr/>
+        </p:nvSpPr>
+        <p:spPr>
+          <a:xfrm>
+            <a:off x="851337" y="2894551"/>
+            <a:ext cx="2453115" cy="397289"/>
+          </a:xfrm>
+          <a:prstGeom prst="roundRect">
+            <a:avLst/>
+          </a:prstGeom>
+        </p:spPr>
+        <p:style>
+          <a:lnRef idx="2">
+            <a:schemeClr val="accent2"/>
+          </a:lnRef>
+          <a:fillRef idx="1">
+            <a:schemeClr val="lt1"/>
+          </a:fillRef>
+          <a:effectRef idx="0">
+            <a:schemeClr val="accent2"/>
+          </a:effectRef>
+          <a:fontRef idx="minor">
+            <a:schemeClr val="dk1"/>
+          </a:fontRef>
+        </p:style>
+        <p:txBody>
+          <a:bodyPr rtlCol="0" anchor="ctr"/>
+          <a:lstStyle/>
+          <a:p>
+            <a:pPr algn="ctr"/>
+            <a:r>
+              <a:rPr lang="ko-KR" altLang="en-US" smtClean="0"/>
+              <a:t>세로 정렬을 확인</a:t>
+            </a:r>
+            <a:endParaRPr lang="ko-KR" altLang="en-US"/>
+          </a:p>
+        </p:txBody>
+      </p:sp>
+      <p:sp>
+        <p:nvSpPr>
+          <p:cNvPr id="11" name="모서리가 둥근 직사각형 10"/>
+          <p:cNvSpPr/>
+          <p:nvPr/>
+        </p:nvSpPr>
+        <p:spPr>
+          <a:xfrm>
+            <a:off x="4793768" y="1784658"/>
+            <a:ext cx="3297096" cy="655844"/>
+          </a:xfrm>
+          <a:prstGeom prst="roundRect">
+            <a:avLst/>
+          </a:prstGeom>
+        </p:spPr>
+        <p:style>
+          <a:lnRef idx="2">
+            <a:schemeClr val="accent2"/>
+          </a:lnRef>
+          <a:fillRef idx="1">
+            <a:schemeClr val="lt1"/>
+          </a:fillRef>
+          <a:effectRef idx="0">
+            <a:schemeClr val="accent2"/>
+          </a:effectRef>
+          <a:fontRef idx="minor">
+            <a:schemeClr val="dk1"/>
+          </a:fontRef>
+        </p:style>
+        <p:txBody>
+          <a:bodyPr rtlCol="0" anchor="ctr"/>
+          <a:lstStyle/>
+          <a:p>
+            <a:pPr algn="ctr"/>
+            <a:r>
+              <a:rPr lang="en-US" altLang="ko-KR" smtClean="0"/>
+              <a:t>USB</a:t>
+            </a:r>
+            <a:r>
+              <a:rPr lang="ko-KR" altLang="en-US" smtClean="0"/>
+              <a:t>에 연결된 출입문 </a:t>
+            </a:r>
+            <a:endParaRPr lang="en-US" altLang="ko-KR" smtClean="0"/>
+          </a:p>
+          <a:p>
+            <a:pPr algn="ctr"/>
+            <a:r>
+              <a:rPr lang="ko-KR" altLang="en-US" smtClean="0"/>
+              <a:t>세팅 초기화</a:t>
+            </a:r>
+            <a:endParaRPr lang="ko-KR" altLang="en-US"/>
+          </a:p>
+        </p:txBody>
+      </p:sp>
+      <p:sp>
+        <p:nvSpPr>
+          <p:cNvPr id="12" name="모서리가 둥근 직사각형 11"/>
+          <p:cNvSpPr/>
+          <p:nvPr/>
+        </p:nvSpPr>
+        <p:spPr>
+          <a:xfrm>
+            <a:off x="4793768" y="2509869"/>
+            <a:ext cx="3297096" cy="655844"/>
+          </a:xfrm>
+          <a:prstGeom prst="roundRect">
+            <a:avLst/>
+          </a:prstGeom>
+        </p:spPr>
+        <p:style>
+          <a:lnRef idx="2">
+            <a:schemeClr val="accent2"/>
+          </a:lnRef>
+          <a:fillRef idx="1">
+            <a:schemeClr val="lt1"/>
+          </a:fillRef>
+          <a:effectRef idx="0">
+            <a:schemeClr val="accent2"/>
+          </a:effectRef>
+          <a:fontRef idx="minor">
+            <a:schemeClr val="dk1"/>
+          </a:fontRef>
+        </p:style>
+        <p:txBody>
+          <a:bodyPr rtlCol="0" anchor="ctr"/>
+          <a:lstStyle/>
+          <a:p>
+            <a:pPr algn="ctr"/>
+            <a:r>
+              <a:rPr lang="en-US" altLang="ko-KR" smtClean="0"/>
+              <a:t>‘</a:t>
+            </a:r>
+            <a:r>
+              <a:rPr lang="ko-KR" altLang="en-US" smtClean="0">
+                <a:solidFill>
+                  <a:srgbClr val="FF0000"/>
+                </a:solidFill>
+              </a:rPr>
+              <a:t>상품 인식하기</a:t>
+            </a:r>
+            <a:r>
+              <a:rPr lang="en-US" altLang="ko-KR" smtClean="0"/>
+              <a:t>’</a:t>
+            </a:r>
+            <a:r>
+              <a:rPr lang="ko-KR" altLang="en-US" smtClean="0"/>
+              <a:t>버튼을 누름</a:t>
+            </a:r>
+            <a:endParaRPr lang="ko-KR" altLang="en-US"/>
+          </a:p>
+        </p:txBody>
+      </p:sp>
+      <p:sp>
+        <p:nvSpPr>
+          <p:cNvPr id="13" name="모서리가 둥근 직사각형 12"/>
+          <p:cNvSpPr/>
+          <p:nvPr/>
+        </p:nvSpPr>
+        <p:spPr>
+          <a:xfrm>
+            <a:off x="4793768" y="3228786"/>
+            <a:ext cx="3297096" cy="655844"/>
+          </a:xfrm>
+          <a:prstGeom prst="roundRect">
+            <a:avLst/>
+          </a:prstGeom>
+        </p:spPr>
+        <p:style>
+          <a:lnRef idx="2">
+            <a:schemeClr val="accent2"/>
+          </a:lnRef>
+          <a:fillRef idx="1">
+            <a:schemeClr val="lt1"/>
+          </a:fillRef>
+          <a:effectRef idx="0">
+            <a:schemeClr val="accent2"/>
+          </a:effectRef>
+          <a:fontRef idx="minor">
+            <a:schemeClr val="dk1"/>
+          </a:fontRef>
+        </p:style>
+        <p:txBody>
+          <a:bodyPr rtlCol="0" anchor="ctr"/>
+          <a:lstStyle/>
+          <a:p>
+            <a:pPr algn="ctr"/>
+            <a:r>
+              <a:rPr lang="en-US" altLang="ko-KR" smtClean="0"/>
+              <a:t>2</a:t>
+            </a:r>
+            <a:r>
+              <a:rPr lang="ko-KR" altLang="en-US" smtClean="0"/>
+              <a:t>대의 카메라를 통해 상품 사진을 찍음</a:t>
+            </a:r>
+            <a:endParaRPr lang="ko-KR" altLang="en-US"/>
+          </a:p>
+        </p:txBody>
+      </p:sp>
+      <p:sp>
+        <p:nvSpPr>
+          <p:cNvPr id="14" name="모서리가 둥근 직사각형 13"/>
+          <p:cNvSpPr/>
+          <p:nvPr/>
+        </p:nvSpPr>
+        <p:spPr>
+          <a:xfrm>
+            <a:off x="4797974" y="3966626"/>
+            <a:ext cx="3297096" cy="655844"/>
+          </a:xfrm>
+          <a:prstGeom prst="roundRect">
+            <a:avLst/>
+          </a:prstGeom>
+        </p:spPr>
+        <p:style>
+          <a:lnRef idx="2">
+            <a:schemeClr val="accent2"/>
+          </a:lnRef>
+          <a:fillRef idx="1">
+            <a:schemeClr val="lt1"/>
+          </a:fillRef>
+          <a:effectRef idx="0">
+            <a:schemeClr val="accent2"/>
+          </a:effectRef>
+          <a:fontRef idx="minor">
+            <a:schemeClr val="dk1"/>
+          </a:fontRef>
+        </p:style>
+        <p:txBody>
+          <a:bodyPr rtlCol="0" anchor="ctr"/>
+          <a:lstStyle/>
+          <a:p>
+            <a:pPr algn="ctr"/>
+            <a:r>
+              <a:rPr lang="ko-KR" altLang="en-US" smtClean="0"/>
+              <a:t>사진을 서버로 전송</a:t>
+            </a:r>
+            <a:endParaRPr lang="ko-KR" altLang="en-US"/>
+          </a:p>
+        </p:txBody>
+      </p:sp>
+      <p:sp>
+        <p:nvSpPr>
+          <p:cNvPr id="15" name="모서리가 둥근 직사각형 14"/>
+          <p:cNvSpPr/>
+          <p:nvPr/>
+        </p:nvSpPr>
+        <p:spPr>
+          <a:xfrm>
+            <a:off x="4793768" y="5423383"/>
+            <a:ext cx="3297096" cy="655844"/>
+          </a:xfrm>
+          <a:prstGeom prst="roundRect">
+            <a:avLst/>
+          </a:prstGeom>
+        </p:spPr>
+        <p:style>
+          <a:lnRef idx="2">
+            <a:schemeClr val="accent2"/>
+          </a:lnRef>
+          <a:fillRef idx="1">
+            <a:schemeClr val="lt1"/>
+          </a:fillRef>
+          <a:effectRef idx="0">
+            <a:schemeClr val="accent2"/>
+          </a:effectRef>
+          <a:fontRef idx="minor">
+            <a:schemeClr val="dk1"/>
+          </a:fontRef>
+        </p:style>
+        <p:txBody>
+          <a:bodyPr rtlCol="0" anchor="ctr"/>
+          <a:lstStyle/>
+          <a:p>
+            <a:pPr algn="ctr"/>
+            <a:r>
+              <a:rPr lang="en-US" altLang="ko-KR" smtClean="0"/>
+              <a:t>‘</a:t>
+            </a:r>
+            <a:r>
+              <a:rPr lang="ko-KR" altLang="en-US" smtClean="0">
+                <a:solidFill>
+                  <a:srgbClr val="FF0000"/>
+                </a:solidFill>
+              </a:rPr>
+              <a:t>결제하기</a:t>
+            </a:r>
+            <a:r>
+              <a:rPr lang="en-US" altLang="ko-KR" smtClean="0"/>
+              <a:t>’</a:t>
+            </a:r>
+            <a:r>
+              <a:rPr lang="ko-KR" altLang="en-US" smtClean="0"/>
+              <a:t> 버튼을 통해 </a:t>
+            </a:r>
+            <a:endParaRPr lang="en-US" altLang="ko-KR" smtClean="0"/>
+          </a:p>
+          <a:p>
+            <a:pPr algn="ctr"/>
+            <a:r>
+              <a:rPr lang="ko-KR" altLang="en-US" smtClean="0"/>
+              <a:t>결제실행</a:t>
+            </a:r>
+            <a:endParaRPr lang="ko-KR" altLang="en-US"/>
+          </a:p>
+        </p:txBody>
+      </p:sp>
+      <p:sp>
+        <p:nvSpPr>
+          <p:cNvPr id="16" name="모서리가 둥근 직사각형 15"/>
+          <p:cNvSpPr/>
+          <p:nvPr/>
+        </p:nvSpPr>
+        <p:spPr>
+          <a:xfrm>
+            <a:off x="4766443" y="6156436"/>
+            <a:ext cx="3297096" cy="655844"/>
+          </a:xfrm>
+          <a:prstGeom prst="roundRect">
+            <a:avLst/>
+          </a:prstGeom>
+        </p:spPr>
+        <p:style>
+          <a:lnRef idx="2">
+            <a:schemeClr val="accent2"/>
+          </a:lnRef>
+          <a:fillRef idx="1">
+            <a:schemeClr val="lt1"/>
+          </a:fillRef>
+          <a:effectRef idx="0">
+            <a:schemeClr val="accent2"/>
+          </a:effectRef>
+          <a:fontRef idx="minor">
+            <a:schemeClr val="dk1"/>
+          </a:fontRef>
+        </p:style>
+        <p:txBody>
+          <a:bodyPr rtlCol="0" anchor="ctr"/>
+          <a:lstStyle/>
+          <a:p>
+            <a:pPr algn="ctr"/>
+            <a:r>
+              <a:rPr lang="ko-KR" altLang="en-US" smtClean="0"/>
+              <a:t>결제가 완료되면 출입문 개방</a:t>
+            </a:r>
+            <a:endParaRPr lang="ko-KR" altLang="en-US"/>
+          </a:p>
+        </p:txBody>
+      </p:sp>
+      <p:sp>
+        <p:nvSpPr>
+          <p:cNvPr id="17" name="모서리가 둥근 직사각형 16"/>
+          <p:cNvSpPr/>
+          <p:nvPr/>
+        </p:nvSpPr>
+        <p:spPr>
+          <a:xfrm>
+            <a:off x="8256926" y="1784655"/>
+            <a:ext cx="3297096" cy="1053136"/>
+          </a:xfrm>
+          <a:prstGeom prst="roundRect">
+            <a:avLst/>
+          </a:prstGeom>
+        </p:spPr>
+        <p:style>
+          <a:lnRef idx="2">
+            <a:schemeClr val="accent2"/>
+          </a:lnRef>
+          <a:fillRef idx="1">
+            <a:schemeClr val="lt1"/>
+          </a:fillRef>
+          <a:effectRef idx="0">
+            <a:schemeClr val="accent2"/>
+          </a:effectRef>
+          <a:fontRef idx="minor">
+            <a:schemeClr val="dk1"/>
+          </a:fontRef>
+        </p:style>
+        <p:txBody>
+          <a:bodyPr rtlCol="0" anchor="ctr"/>
+          <a:lstStyle/>
+          <a:p>
+            <a:pPr algn="ctr"/>
+            <a:r>
+              <a:rPr lang="ko-KR" altLang="en-US" smtClean="0"/>
+              <a:t>비상 시 </a:t>
+            </a:r>
+            <a:r>
+              <a:rPr lang="en-US" altLang="ko-KR" smtClean="0"/>
+              <a:t>'</a:t>
+            </a:r>
+            <a:r>
+              <a:rPr lang="ko-KR" altLang="en-US" smtClean="0">
+                <a:solidFill>
+                  <a:srgbClr val="FF0000"/>
+                </a:solidFill>
+              </a:rPr>
+              <a:t>비상출입버튼</a:t>
+            </a:r>
+            <a:r>
+              <a:rPr lang="en-US" altLang="ko-KR" smtClean="0"/>
+              <a:t>'</a:t>
+            </a:r>
+            <a:r>
+              <a:rPr lang="ko-KR" altLang="en-US" smtClean="0"/>
+              <a:t>으로 강제로 출입문 개방</a:t>
+            </a:r>
+            <a:endParaRPr lang="ko-KR" altLang="en-US"/>
+          </a:p>
+        </p:txBody>
+      </p:sp>
+      <p:cxnSp>
+        <p:nvCxnSpPr>
+          <p:cNvPr id="19" name="직선 연결선 18"/>
+          <p:cNvCxnSpPr/>
+          <p:nvPr/>
+        </p:nvCxnSpPr>
+        <p:spPr>
+          <a:xfrm>
+            <a:off x="8160232" y="1715290"/>
+            <a:ext cx="0" cy="4887308"/>
+          </a:xfrm>
+          <a:prstGeom prst="line">
+            <a:avLst/>
+          </a:prstGeom>
+          <a:ln w="38100">
+            <a:prstDash val="sysDash"/>
+          </a:ln>
+        </p:spPr>
+        <p:style>
+          <a:lnRef idx="1">
+            <a:schemeClr val="accent1"/>
+          </a:lnRef>
+          <a:fillRef idx="0">
+            <a:schemeClr val="accent1"/>
+          </a:fillRef>
+          <a:effectRef idx="0">
+            <a:schemeClr val="accent1"/>
+          </a:effectRef>
+          <a:fontRef idx="minor">
+            <a:schemeClr val="tx1"/>
+          </a:fontRef>
+        </p:style>
+      </p:cxnSp>
+      <p:cxnSp>
+        <p:nvCxnSpPr>
+          <p:cNvPr id="21" name="직선 화살표 연결선 20"/>
+          <p:cNvCxnSpPr>
+            <a:stCxn id="14" idx="1"/>
+            <a:endCxn id="8" idx="3"/>
+          </p:cNvCxnSpPr>
+          <p:nvPr/>
+        </p:nvCxnSpPr>
+        <p:spPr>
+          <a:xfrm flipH="1" flipV="1">
+            <a:off x="3304452" y="2270235"/>
+            <a:ext cx="1493522" cy="2024313"/>
+          </a:xfrm>
+          <a:prstGeom prst="straightConnector1">
+            <a:avLst/>
+          </a:prstGeom>
+          <a:ln w="28575">
+            <a:tailEnd type="triangle"/>
+          </a:ln>
+        </p:spPr>
+        <p:style>
+          <a:lnRef idx="1">
+            <a:schemeClr val="accent1"/>
+          </a:lnRef>
+          <a:fillRef idx="0">
+            <a:schemeClr val="accent1"/>
+          </a:fillRef>
+          <a:effectRef idx="0">
+            <a:schemeClr val="accent1"/>
+          </a:effectRef>
+          <a:fontRef idx="minor">
+            <a:schemeClr val="tx1"/>
+          </a:fontRef>
+        </p:style>
+      </p:cxnSp>
+      <p:sp>
+        <p:nvSpPr>
+          <p:cNvPr id="23" name="모서리가 둥근 직사각형 22"/>
+          <p:cNvSpPr/>
+          <p:nvPr/>
+        </p:nvSpPr>
+        <p:spPr>
+          <a:xfrm>
+            <a:off x="4793768" y="4698166"/>
+            <a:ext cx="3297096" cy="655844"/>
+          </a:xfrm>
+          <a:prstGeom prst="roundRect">
+            <a:avLst/>
+          </a:prstGeom>
+        </p:spPr>
+        <p:style>
+          <a:lnRef idx="2">
+            <a:schemeClr val="accent2"/>
+          </a:lnRef>
+          <a:fillRef idx="1">
+            <a:schemeClr val="lt1"/>
+          </a:fillRef>
+          <a:effectRef idx="0">
+            <a:schemeClr val="accent2"/>
+          </a:effectRef>
+          <a:fontRef idx="minor">
+            <a:schemeClr val="dk1"/>
+          </a:fontRef>
+        </p:style>
+        <p:txBody>
+          <a:bodyPr rtlCol="0" anchor="ctr"/>
+          <a:lstStyle/>
+          <a:p>
+            <a:pPr algn="ctr"/>
+            <a:r>
+              <a:rPr lang="ko-KR" altLang="en-US" smtClean="0"/>
+              <a:t>반환 받은 결과값과 합산된 결제금액을 화면에 띄움</a:t>
+            </a:r>
+            <a:endParaRPr lang="ko-KR" altLang="en-US"/>
+          </a:p>
+        </p:txBody>
+      </p:sp>
+      <p:cxnSp>
+        <p:nvCxnSpPr>
+          <p:cNvPr id="25" name="직선 연결선 24"/>
+          <p:cNvCxnSpPr/>
+          <p:nvPr/>
+        </p:nvCxnSpPr>
+        <p:spPr>
+          <a:xfrm>
+            <a:off x="649540" y="1715290"/>
+            <a:ext cx="10985412" cy="0"/>
+          </a:xfrm>
+          <a:prstGeom prst="line">
+            <a:avLst/>
+          </a:prstGeom>
+          <a:ln w="28575">
+            <a:prstDash val="sysDash"/>
+          </a:ln>
+        </p:spPr>
+        <p:style>
+          <a:lnRef idx="1">
+            <a:schemeClr val="accent1"/>
+          </a:lnRef>
+          <a:fillRef idx="0">
+            <a:schemeClr val="accent1"/>
+          </a:fillRef>
+          <a:effectRef idx="0">
+            <a:schemeClr val="accent1"/>
+          </a:effectRef>
+          <a:fontRef idx="minor">
+            <a:schemeClr val="tx1"/>
+          </a:fontRef>
+        </p:style>
+      </p:cxnSp>
+      <p:cxnSp>
+        <p:nvCxnSpPr>
+          <p:cNvPr id="27" name="직선 화살표 연결선 26"/>
+          <p:cNvCxnSpPr/>
+          <p:nvPr/>
+        </p:nvCxnSpPr>
+        <p:spPr>
+          <a:xfrm>
+            <a:off x="2077893" y="1954925"/>
+            <a:ext cx="0" cy="2472032"/>
+          </a:xfrm>
+          <a:prstGeom prst="straightConnector1">
+            <a:avLst/>
+          </a:prstGeom>
+          <a:ln w="28575">
+            <a:prstDash val="sysDot"/>
+            <a:tailEnd type="triangle"/>
+          </a:ln>
+        </p:spPr>
+        <p:style>
+          <a:lnRef idx="1">
+            <a:schemeClr val="accent6"/>
+          </a:lnRef>
+          <a:fillRef idx="0">
+            <a:schemeClr val="accent6"/>
+          </a:fillRef>
+          <a:effectRef idx="0">
+            <a:schemeClr val="accent6"/>
+          </a:effectRef>
+          <a:fontRef idx="minor">
+            <a:schemeClr val="tx1"/>
+          </a:fontRef>
+        </p:style>
+      </p:cxnSp>
+      <p:cxnSp>
+        <p:nvCxnSpPr>
+          <p:cNvPr id="29" name="직선 화살표 연결선 28"/>
+          <p:cNvCxnSpPr/>
+          <p:nvPr/>
+        </p:nvCxnSpPr>
+        <p:spPr>
+          <a:xfrm>
+            <a:off x="6442316" y="1954925"/>
+            <a:ext cx="0" cy="4821094"/>
+          </a:xfrm>
+          <a:prstGeom prst="straightConnector1">
+            <a:avLst/>
+          </a:prstGeom>
+          <a:ln w="28575">
+            <a:prstDash val="sysDot"/>
+            <a:tailEnd type="triangle"/>
+          </a:ln>
+        </p:spPr>
+        <p:style>
+          <a:lnRef idx="1">
+            <a:schemeClr val="accent6"/>
+          </a:lnRef>
+          <a:fillRef idx="0">
+            <a:schemeClr val="accent6"/>
+          </a:fillRef>
+          <a:effectRef idx="0">
+            <a:schemeClr val="accent6"/>
+          </a:effectRef>
+          <a:fontRef idx="minor">
+            <a:schemeClr val="tx1"/>
+          </a:fontRef>
+        </p:style>
+      </p:cxnSp>
+      <p:cxnSp>
+        <p:nvCxnSpPr>
+          <p:cNvPr id="31" name="직선 화살표 연결선 30"/>
+          <p:cNvCxnSpPr>
+            <a:stCxn id="9" idx="3"/>
+            <a:endCxn id="23" idx="1"/>
+          </p:cNvCxnSpPr>
+          <p:nvPr/>
+        </p:nvCxnSpPr>
+        <p:spPr>
+          <a:xfrm>
+            <a:off x="3304451" y="4045433"/>
+            <a:ext cx="1489317" cy="980655"/>
+          </a:xfrm>
+          <a:prstGeom prst="straightConnector1">
+            <a:avLst/>
+          </a:prstGeom>
+          <a:ln w="28575">
+            <a:tailEnd type="triangle"/>
+          </a:ln>
+        </p:spPr>
+        <p:style>
+          <a:lnRef idx="1">
+            <a:schemeClr val="accent1"/>
+          </a:lnRef>
+          <a:fillRef idx="0">
+            <a:schemeClr val="accent1"/>
+          </a:fillRef>
+          <a:effectRef idx="0">
+            <a:schemeClr val="accent1"/>
+          </a:effectRef>
+          <a:fontRef idx="minor">
+            <a:schemeClr val="tx1"/>
+          </a:fontRef>
+        </p:style>
+      </p:cxnSp>
+      <p:cxnSp>
+        <p:nvCxnSpPr>
+          <p:cNvPr id="36" name="직선 연결선 35"/>
+          <p:cNvCxnSpPr/>
+          <p:nvPr/>
+        </p:nvCxnSpPr>
+        <p:spPr>
+          <a:xfrm>
+            <a:off x="4037024" y="536025"/>
+            <a:ext cx="0" cy="6148554"/>
+          </a:xfrm>
+          <a:prstGeom prst="line">
+            <a:avLst/>
+          </a:prstGeom>
+          <a:ln w="28575">
+            <a:prstDash val="lgDashDot"/>
+          </a:ln>
+        </p:spPr>
+        <p:style>
+          <a:lnRef idx="1">
+            <a:schemeClr val="accent2"/>
+          </a:lnRef>
+          <a:fillRef idx="0">
+            <a:schemeClr val="accent2"/>
+          </a:fillRef>
+          <a:effectRef idx="0">
+            <a:schemeClr val="accent2"/>
+          </a:effectRef>
+          <a:fontRef idx="minor">
+            <a:schemeClr val="tx1"/>
+          </a:fontRef>
+        </p:style>
+      </p:cxnSp>
+    </p:spTree>
+    <p:extLst>
+      <p:ext uri="{BB962C8B-B14F-4D97-AF65-F5344CB8AC3E}">
+        <p14:creationId xmlns:p14="http://schemas.microsoft.com/office/powerpoint/2010/main" val="3848421930"/>
       </p:ext>
     </p:extLst>
   </p:cSld>
